--- a/문서 인식 아키텍쳐.pptx
+++ b/문서 인식 아키텍쳐.pptx
@@ -3973,7 +3973,7 @@
         <p:spPr>
           <a:xfrm>
             <a:off x="8479767" y="5684315"/>
-            <a:ext cx="810073" cy="355941"/>
+            <a:ext cx="774697" cy="355941"/>
           </a:xfrm>
           <a:prstGeom prst="rightArrow">
             <a:avLst/>
@@ -4058,6 +4058,125 @@
             <a:r>
               <a:rPr lang="ko-KR" altLang="en-US" dirty="0"/>
               <a:t>적용 가능</a:t>
+            </a:r>
+          </a:p>
+        </p:txBody>
+      </p:sp>
+      <p:pic>
+        <p:nvPicPr>
+          <p:cNvPr id="26" name="그림 25">
+            <a:extLst>
+              <a:ext uri="{FF2B5EF4-FFF2-40B4-BE49-F238E27FC236}">
+                <a16:creationId xmlns:a16="http://schemas.microsoft.com/office/drawing/2014/main" id="{FE2C2A72-7FC2-70B9-AB1A-BD80B6850776}"/>
+              </a:ext>
+            </a:extLst>
+          </p:cNvPr>
+          <p:cNvPicPr>
+            <a:picLocks noChangeAspect="1"/>
+          </p:cNvPicPr>
+          <p:nvPr/>
+        </p:nvPicPr>
+        <p:blipFill>
+          <a:blip r:embed="rId3"/>
+          <a:stretch>
+            <a:fillRect/>
+          </a:stretch>
+        </p:blipFill>
+        <p:spPr>
+          <a:xfrm>
+            <a:off x="6155324" y="3158680"/>
+            <a:ext cx="3723060" cy="924669"/>
+          </a:xfrm>
+          <a:prstGeom prst="rect">
+            <a:avLst/>
+          </a:prstGeom>
+        </p:spPr>
+      </p:pic>
+      <p:sp>
+        <p:nvSpPr>
+          <p:cNvPr id="27" name="화살표: 위쪽 26">
+            <a:extLst>
+              <a:ext uri="{FF2B5EF4-FFF2-40B4-BE49-F238E27FC236}">
+                <a16:creationId xmlns:a16="http://schemas.microsoft.com/office/drawing/2014/main" id="{D085CD0E-E076-BA1A-DD81-98AC6FFFEF59}"/>
+              </a:ext>
+            </a:extLst>
+          </p:cNvPr>
+          <p:cNvSpPr/>
+          <p:nvPr/>
+        </p:nvSpPr>
+        <p:spPr>
+          <a:xfrm>
+            <a:off x="7223146" y="2475263"/>
+            <a:ext cx="362078" cy="581985"/>
+          </a:xfrm>
+          <a:prstGeom prst="upArrow">
+            <a:avLst/>
+          </a:prstGeom>
+        </p:spPr>
+        <p:style>
+          <a:lnRef idx="2">
+            <a:schemeClr val="accent1">
+              <a:shade val="15000"/>
+            </a:schemeClr>
+          </a:lnRef>
+          <a:fillRef idx="1">
+            <a:schemeClr val="accent1"/>
+          </a:fillRef>
+          <a:effectRef idx="0">
+            <a:schemeClr val="accent1"/>
+          </a:effectRef>
+          <a:fontRef idx="minor">
+            <a:schemeClr val="lt1"/>
+          </a:fontRef>
+        </p:style>
+        <p:txBody>
+          <a:bodyPr rtlCol="0" anchor="ctr"/>
+          <a:lstStyle/>
+          <a:p>
+            <a:pPr algn="ctr"/>
+            <a:endParaRPr lang="ko-KR" altLang="en-US"/>
+          </a:p>
+        </p:txBody>
+      </p:sp>
+      <p:sp>
+        <p:nvSpPr>
+          <p:cNvPr id="28" name="TextBox 27">
+            <a:extLst>
+              <a:ext uri="{FF2B5EF4-FFF2-40B4-BE49-F238E27FC236}">
+                <a16:creationId xmlns:a16="http://schemas.microsoft.com/office/drawing/2014/main" id="{08709A05-9440-2D13-5F3F-DFB89B70D0B1}"/>
+              </a:ext>
+            </a:extLst>
+          </p:cNvPr>
+          <p:cNvSpPr txBox="1"/>
+          <p:nvPr/>
+        </p:nvSpPr>
+        <p:spPr>
+          <a:xfrm>
+            <a:off x="6397309" y="4140703"/>
+            <a:ext cx="3909214" cy="307777"/>
+          </a:xfrm>
+          <a:prstGeom prst="rect">
+            <a:avLst/>
+          </a:prstGeom>
+          <a:noFill/>
+        </p:spPr>
+        <p:txBody>
+          <a:bodyPr wrap="square" rtlCol="0">
+            <a:spAutoFit/>
+          </a:bodyPr>
+          <a:lstStyle/>
+          <a:p>
+            <a:r>
+              <a:rPr lang="ko-KR" altLang="en-US" sz="1400" dirty="0"/>
+              <a:t>연령별 필기체</a:t>
+            </a:r>
+            <a:r>
+              <a:rPr lang="en-US" altLang="ko-KR" sz="1400" dirty="0"/>
+              <a:t>, </a:t>
+            </a:r>
+            <a:r>
+              <a:rPr lang="ko-KR" altLang="en-US" sz="1400" dirty="0"/>
+              <a:t>행정서식별 인쇄체</a:t>
             </a:r>
           </a:p>
         </p:txBody>
